--- a/Figure-5-2/Figure52/Figure52_fullpage.pptx
+++ b/Figure-5-2/Figure52/Figure52_fullpage.pptx
@@ -516,6 +516,70 @@
               <a:rPr/>
               <a:t>Title:</a:t>
             </a:r>
+            <a:r>
+              <a:rPr/>
+              <a:t> </a:t>
+            </a:r>
+            <a:r>
+              <a:rPr/>
+              <a:t>Voluntary</a:t>
+            </a:r>
+            <a:r>
+              <a:rPr/>
+              <a:t> </a:t>
+            </a:r>
+            <a:r>
+              <a:rPr/>
+              <a:t>post-tax</a:t>
+            </a:r>
+            <a:r>
+              <a:rPr/>
+              <a:t> </a:t>
+            </a:r>
+            <a:r>
+              <a:rPr/>
+              <a:t>contributions</a:t>
+            </a:r>
+            <a:r>
+              <a:rPr/>
+              <a:t> </a:t>
+            </a:r>
+            <a:r>
+              <a:rPr/>
+              <a:t>are</a:t>
+            </a:r>
+            <a:r>
+              <a:rPr/>
+              <a:t> </a:t>
+            </a:r>
+            <a:r>
+              <a:rPr/>
+              <a:t>made</a:t>
+            </a:r>
+            <a:r>
+              <a:rPr/>
+              <a:t> </a:t>
+            </a:r>
+            <a:r>
+              <a:rPr/>
+              <a:t>to</a:t>
+            </a:r>
+            <a:r>
+              <a:rPr/>
+              <a:t> </a:t>
+            </a:r>
+            <a:r>
+              <a:rPr/>
+              <a:t>high-balance</a:t>
+            </a:r>
+            <a:r>
+              <a:rPr/>
+              <a:t> </a:t>
+            </a:r>
+            <a:r>
+              <a:rPr/>
+              <a:t>accounts</a:t>
+            </a:r>
           </a:p>
           <a:p>
             <a:pPr lvl="0" marL="0" indent="0">
@@ -529,6 +593,372 @@
             <a:r>
               <a:rPr/>
               <a:t>Subtitle:</a:t>
+            </a:r>
+            <a:r>
+              <a:rPr/>
+              <a:t> </a:t>
+            </a:r>
+            <a:r>
+              <a:rPr/>
+              <a:t>Share</a:t>
+            </a:r>
+            <a:r>
+              <a:rPr/>
+              <a:t> </a:t>
+            </a:r>
+            <a:r>
+              <a:rPr/>
+              <a:t>of</a:t>
+            </a:r>
+            <a:r>
+              <a:rPr/>
+              <a:t> </a:t>
+            </a:r>
+            <a:r>
+              <a:rPr/>
+              <a:t>taxpayers</a:t>
+            </a:r>
+            <a:r>
+              <a:rPr/>
+              <a:t> </a:t>
+            </a:r>
+            <a:r>
+              <a:rPr/>
+              <a:t>and</a:t>
+            </a:r>
+            <a:r>
+              <a:rPr/>
+              <a:t> </a:t>
+            </a:r>
+            <a:r>
+              <a:rPr/>
+              <a:t>post-tax</a:t>
+            </a:r>
+            <a:r>
+              <a:rPr/>
+              <a:t> </a:t>
+            </a:r>
+            <a:r>
+              <a:rPr/>
+              <a:t>contributions,</a:t>
+            </a:r>
+            <a:r>
+              <a:rPr/>
+              <a:t> </a:t>
+            </a:r>
+            <a:r>
+              <a:rPr/>
+              <a:t>by</a:t>
+            </a:r>
+            <a:r>
+              <a:rPr/>
+              <a:t> </a:t>
+            </a:r>
+            <a:r>
+              <a:rPr/>
+              <a:t>existing</a:t>
+            </a:r>
+            <a:r>
+              <a:rPr/>
+              <a:t> </a:t>
+            </a:r>
+            <a:r>
+              <a:rPr/>
+              <a:t>superannuation</a:t>
+            </a:r>
+            <a:r>
+              <a:rPr/>
+              <a:t> </a:t>
+            </a:r>
+            <a:r>
+              <a:rPr/>
+              <a:t>balance</a:t>
+            </a:r>
+          </a:p>
+          <a:p>
+            <a:pPr lvl="0" marL="0" indent="0">
+              <a:buNone/>
+            </a:pPr>
+          </a:p>
+          <a:p>
+            <a:pPr lvl="0" marL="0" indent="0">
+              <a:buNone/>
+            </a:pPr>
+            <a:r>
+              <a:rPr/>
+              <a:t>Notes:</a:t>
+            </a:r>
+            <a:r>
+              <a:rPr/>
+              <a:t> </a:t>
+            </a:r>
+            <a:r>
+              <a:rPr/>
+              <a:t>Projections</a:t>
+            </a:r>
+            <a:r>
+              <a:rPr/>
+              <a:t> </a:t>
+            </a:r>
+            <a:r>
+              <a:rPr/>
+              <a:t>to</a:t>
+            </a:r>
+            <a:r>
+              <a:rPr/>
+              <a:t> </a:t>
+            </a:r>
+            <a:r>
+              <a:rPr/>
+              <a:t>2020-21</a:t>
+            </a:r>
+            <a:r>
+              <a:rPr/>
+              <a:t> </a:t>
+            </a:r>
+            <a:r>
+              <a:rPr/>
+              <a:t>assume</a:t>
+            </a:r>
+            <a:r>
+              <a:rPr/>
+              <a:t> </a:t>
+            </a:r>
+            <a:r>
+              <a:rPr/>
+              <a:t>2%</a:t>
+            </a:r>
+            <a:r>
+              <a:rPr/>
+              <a:t> </a:t>
+            </a:r>
+            <a:r>
+              <a:rPr/>
+              <a:t>wage</a:t>
+            </a:r>
+            <a:r>
+              <a:rPr/>
+              <a:t> </a:t>
+            </a:r>
+            <a:r>
+              <a:rPr/>
+              <a:t>growth</a:t>
+            </a:r>
+            <a:r>
+              <a:rPr/>
+              <a:t> </a:t>
+            </a:r>
+            <a:r>
+              <a:rPr/>
+              <a:t>and</a:t>
+            </a:r>
+            <a:r>
+              <a:rPr/>
+              <a:t> </a:t>
+            </a:r>
+            <a:r>
+              <a:rPr/>
+              <a:t>0%</a:t>
+            </a:r>
+            <a:r>
+              <a:rPr/>
+              <a:t> </a:t>
+            </a:r>
+            <a:r>
+              <a:rPr/>
+              <a:t>growth</a:t>
+            </a:r>
+            <a:r>
+              <a:rPr/>
+              <a:t> </a:t>
+            </a:r>
+            <a:r>
+              <a:rPr/>
+              <a:t>in</a:t>
+            </a:r>
+            <a:r>
+              <a:rPr/>
+              <a:t> </a:t>
+            </a:r>
+            <a:r>
+              <a:rPr/>
+              <a:t>the</a:t>
+            </a:r>
+            <a:r>
+              <a:rPr/>
+              <a:t> </a:t>
+            </a:r>
+            <a:r>
+              <a:rPr/>
+              <a:t>number</a:t>
+            </a:r>
+            <a:r>
+              <a:rPr/>
+              <a:t> </a:t>
+            </a:r>
+            <a:r>
+              <a:rPr/>
+              <a:t>of</a:t>
+            </a:r>
+            <a:r>
+              <a:rPr/>
+              <a:t> </a:t>
+            </a:r>
+            <a:r>
+              <a:rPr/>
+              <a:t>taxfilers</a:t>
+            </a:r>
+            <a:r>
+              <a:rPr/>
+              <a:t> </a:t>
+            </a:r>
+            <a:r>
+              <a:rPr/>
+              <a:t>from</a:t>
+            </a:r>
+            <a:r>
+              <a:rPr/>
+              <a:t> </a:t>
+            </a:r>
+            <a:r>
+              <a:rPr/>
+              <a:t>2019-20</a:t>
+            </a:r>
+            <a:r>
+              <a:rPr/>
+              <a:t> </a:t>
+            </a:r>
+            <a:r>
+              <a:rPr/>
+              <a:t>to</a:t>
+            </a:r>
+            <a:r>
+              <a:rPr/>
+              <a:t> </a:t>
+            </a:r>
+            <a:r>
+              <a:rPr/>
+              <a:t>2020-21.</a:t>
+            </a:r>
+            <a:r>
+              <a:rPr/>
+              <a:t> </a:t>
+            </a:r>
+            <a:r>
+              <a:rPr/>
+              <a:t>Post-tax</a:t>
+            </a:r>
+            <a:r>
+              <a:rPr/>
+              <a:t> </a:t>
+            </a:r>
+            <a:r>
+              <a:rPr/>
+              <a:t>contributions</a:t>
+            </a:r>
+            <a:r>
+              <a:rPr/>
+              <a:t> </a:t>
+            </a:r>
+            <a:r>
+              <a:rPr/>
+              <a:t>equals</a:t>
+            </a:r>
+            <a:r>
+              <a:rPr/>
+              <a:t> </a:t>
+            </a:r>
+            <a:r>
+              <a:rPr/>
+              <a:t>personal</a:t>
+            </a:r>
+            <a:r>
+              <a:rPr/>
+              <a:t> </a:t>
+            </a:r>
+            <a:r>
+              <a:rPr/>
+              <a:t>contributions</a:t>
+            </a:r>
+            <a:r>
+              <a:rPr/>
+              <a:t> </a:t>
+            </a:r>
+            <a:r>
+              <a:rPr/>
+              <a:t>less</a:t>
+            </a:r>
+            <a:r>
+              <a:rPr/>
+              <a:t> </a:t>
+            </a:r>
+            <a:r>
+              <a:rPr/>
+              <a:t>non-employer</a:t>
+            </a:r>
+            <a:r>
+              <a:rPr/>
+              <a:t> </a:t>
+            </a:r>
+            <a:r>
+              <a:rPr/>
+              <a:t>super</a:t>
+            </a:r>
+            <a:r>
+              <a:rPr/>
+              <a:t> </a:t>
+            </a:r>
+            <a:r>
+              <a:rPr/>
+              <a:t>contributions.</a:t>
+            </a:r>
+            <a:r>
+              <a:rPr/>
+              <a:t> </a:t>
+            </a:r>
+            <a:r>
+              <a:rPr/>
+              <a:t>Source:</a:t>
+            </a:r>
+            <a:r>
+              <a:rPr/>
+              <a:t> </a:t>
+            </a:r>
+            <a:r>
+              <a:rPr/>
+              <a:t>ATO</a:t>
+            </a:r>
+            <a:r>
+              <a:rPr/>
+              <a:t> </a:t>
+            </a:r>
+            <a:r>
+              <a:rPr/>
+              <a:t>2017-18</a:t>
+            </a:r>
+            <a:r>
+              <a:rPr/>
+              <a:t> </a:t>
+            </a:r>
+            <a:r>
+              <a:rPr/>
+              <a:t>2%</a:t>
+            </a:r>
+            <a:r>
+              <a:rPr/>
+              <a:t> </a:t>
+            </a:r>
+            <a:r>
+              <a:rPr/>
+              <a:t>sample</a:t>
+            </a:r>
+            <a:r>
+              <a:rPr/>
+              <a:t> </a:t>
+            </a:r>
+            <a:r>
+              <a:rPr/>
+              <a:t>file</a:t>
             </a:r>
           </a:p>
           <a:p>
@@ -3439,7 +3869,7 @@
           <a:p>
             <a:r>
               <a:rPr/>
-              <a:t> </a:t>
+              <a:t>Voluntary post-tax contributions are made to high-balance accounts</a:t>
             </a:r>
           </a:p>
         </p:txBody>
@@ -3466,7 +3896,7 @@
           <a:p>
             <a:r>
               <a:rPr/>
-              <a:t> </a:t>
+              <a:t>Share of taxpayers and post-tax contributions, by existing superannuation balance</a:t>
             </a:r>
           </a:p>
         </p:txBody>
@@ -3802,7 +4232,7 @@
               <a:avLst/>
             </a:prstGeom>
             <a:solidFill>
-              <a:srgbClr val="FFE07F">
+              <a:srgbClr val="FFFFFF">
                 <a:alpha val="100000"/>
               </a:srgbClr>
             </a:solidFill>
@@ -4047,7 +4477,7 @@
               <a:avLst/>
             </a:prstGeom>
             <a:solidFill>
-              <a:srgbClr val="FFE07F">
+              <a:srgbClr val="FFFFFF">
                 <a:alpha val="100000"/>
               </a:srgbClr>
             </a:solidFill>
